--- a/papers/RSS2016/pictures/pdf/graphrobo.pptx
+++ b/papers/RSS2016/pictures/pdf/graphrobo.pptx
@@ -7,14 +7,14 @@
   <p:sldIdLst>
     <p:sldId id="257" r:id="rId2"/>
   </p:sldIdLst>
-  <p:sldSz cx="12192000" cy="6858000"/>
+  <p:sldSz cx="9144000" cy="4297363"/>
   <p:notesSz cx="6858000" cy="9144000"/>
   <p:defaultTextStyle>
     <a:defPPr>
       <a:defRPr lang="en-US"/>
     </a:defPPr>
-    <a:lvl1pPr marL="0" algn="l" defTabSz="914400" rtl="0" eaLnBrk="1" latinLnBrk="0" hangingPunct="1">
-      <a:defRPr sz="1800" kern="1200">
+    <a:lvl1pPr marL="0" algn="l" defTabSz="783732" rtl="0" eaLnBrk="1" latinLnBrk="0" hangingPunct="1">
+      <a:defRPr sz="1500" kern="1200">
         <a:solidFill>
           <a:schemeClr val="tx1"/>
         </a:solidFill>
@@ -23,8 +23,8 @@
         <a:cs typeface="+mn-cs"/>
       </a:defRPr>
     </a:lvl1pPr>
-    <a:lvl2pPr marL="457200" algn="l" defTabSz="914400" rtl="0" eaLnBrk="1" latinLnBrk="0" hangingPunct="1">
-      <a:defRPr sz="1800" kern="1200">
+    <a:lvl2pPr marL="391866" algn="l" defTabSz="783732" rtl="0" eaLnBrk="1" latinLnBrk="0" hangingPunct="1">
+      <a:defRPr sz="1500" kern="1200">
         <a:solidFill>
           <a:schemeClr val="tx1"/>
         </a:solidFill>
@@ -33,8 +33,8 @@
         <a:cs typeface="+mn-cs"/>
       </a:defRPr>
     </a:lvl2pPr>
-    <a:lvl3pPr marL="914400" algn="l" defTabSz="914400" rtl="0" eaLnBrk="1" latinLnBrk="0" hangingPunct="1">
-      <a:defRPr sz="1800" kern="1200">
+    <a:lvl3pPr marL="783732" algn="l" defTabSz="783732" rtl="0" eaLnBrk="1" latinLnBrk="0" hangingPunct="1">
+      <a:defRPr sz="1500" kern="1200">
         <a:solidFill>
           <a:schemeClr val="tx1"/>
         </a:solidFill>
@@ -43,8 +43,8 @@
         <a:cs typeface="+mn-cs"/>
       </a:defRPr>
     </a:lvl3pPr>
-    <a:lvl4pPr marL="1371600" algn="l" defTabSz="914400" rtl="0" eaLnBrk="1" latinLnBrk="0" hangingPunct="1">
-      <a:defRPr sz="1800" kern="1200">
+    <a:lvl4pPr marL="1175598" algn="l" defTabSz="783732" rtl="0" eaLnBrk="1" latinLnBrk="0" hangingPunct="1">
+      <a:defRPr sz="1500" kern="1200">
         <a:solidFill>
           <a:schemeClr val="tx1"/>
         </a:solidFill>
@@ -53,8 +53,8 @@
         <a:cs typeface="+mn-cs"/>
       </a:defRPr>
     </a:lvl4pPr>
-    <a:lvl5pPr marL="1828800" algn="l" defTabSz="914400" rtl="0" eaLnBrk="1" latinLnBrk="0" hangingPunct="1">
-      <a:defRPr sz="1800" kern="1200">
+    <a:lvl5pPr marL="1567464" algn="l" defTabSz="783732" rtl="0" eaLnBrk="1" latinLnBrk="0" hangingPunct="1">
+      <a:defRPr sz="1500" kern="1200">
         <a:solidFill>
           <a:schemeClr val="tx1"/>
         </a:solidFill>
@@ -63,8 +63,8 @@
         <a:cs typeface="+mn-cs"/>
       </a:defRPr>
     </a:lvl5pPr>
-    <a:lvl6pPr marL="2286000" algn="l" defTabSz="914400" rtl="0" eaLnBrk="1" latinLnBrk="0" hangingPunct="1">
-      <a:defRPr sz="1800" kern="1200">
+    <a:lvl6pPr marL="1959331" algn="l" defTabSz="783732" rtl="0" eaLnBrk="1" latinLnBrk="0" hangingPunct="1">
+      <a:defRPr sz="1500" kern="1200">
         <a:solidFill>
           <a:schemeClr val="tx1"/>
         </a:solidFill>
@@ -73,8 +73,8 @@
         <a:cs typeface="+mn-cs"/>
       </a:defRPr>
     </a:lvl6pPr>
-    <a:lvl7pPr marL="2743200" algn="l" defTabSz="914400" rtl="0" eaLnBrk="1" latinLnBrk="0" hangingPunct="1">
-      <a:defRPr sz="1800" kern="1200">
+    <a:lvl7pPr marL="2351197" algn="l" defTabSz="783732" rtl="0" eaLnBrk="1" latinLnBrk="0" hangingPunct="1">
+      <a:defRPr sz="1500" kern="1200">
         <a:solidFill>
           <a:schemeClr val="tx1"/>
         </a:solidFill>
@@ -83,8 +83,8 @@
         <a:cs typeface="+mn-cs"/>
       </a:defRPr>
     </a:lvl7pPr>
-    <a:lvl8pPr marL="3200400" algn="l" defTabSz="914400" rtl="0" eaLnBrk="1" latinLnBrk="0" hangingPunct="1">
-      <a:defRPr sz="1800" kern="1200">
+    <a:lvl8pPr marL="2743063" algn="l" defTabSz="783732" rtl="0" eaLnBrk="1" latinLnBrk="0" hangingPunct="1">
+      <a:defRPr sz="1500" kern="1200">
         <a:solidFill>
           <a:schemeClr val="tx1"/>
         </a:solidFill>
@@ -93,8 +93,8 @@
         <a:cs typeface="+mn-cs"/>
       </a:defRPr>
     </a:lvl8pPr>
-    <a:lvl9pPr marL="3657600" algn="l" defTabSz="914400" rtl="0" eaLnBrk="1" latinLnBrk="0" hangingPunct="1">
-      <a:defRPr sz="1800" kern="1200">
+    <a:lvl9pPr marL="3134929" algn="l" defTabSz="783732" rtl="0" eaLnBrk="1" latinLnBrk="0" hangingPunct="1">
+      <a:defRPr sz="1500" kern="1200">
         <a:solidFill>
           <a:schemeClr val="tx1"/>
         </a:solidFill>
@@ -136,15 +136,15 @@
         </p:nvSpPr>
         <p:spPr>
           <a:xfrm>
-            <a:off x="1524000" y="1122363"/>
-            <a:ext cx="9144000" cy="2387600"/>
+            <a:off x="1143000" y="703298"/>
+            <a:ext cx="6858000" cy="1496118"/>
           </a:xfrm>
         </p:spPr>
         <p:txBody>
           <a:bodyPr anchor="b"/>
           <a:lstStyle>
             <a:lvl1pPr algn="ctr">
-              <a:defRPr sz="6000"/>
+              <a:defRPr sz="5100"/>
             </a:lvl1pPr>
           </a:lstStyle>
           <a:p>
@@ -168,8 +168,8 @@
         </p:nvSpPr>
         <p:spPr>
           <a:xfrm>
-            <a:off x="1524000" y="3602038"/>
-            <a:ext cx="9144000" cy="1655762"/>
+            <a:off x="1143000" y="2257111"/>
+            <a:ext cx="6858000" cy="1037535"/>
           </a:xfrm>
         </p:spPr>
         <p:txBody>
@@ -177,39 +177,39 @@
           <a:lstStyle>
             <a:lvl1pPr marL="0" indent="0" algn="ctr">
               <a:buNone/>
-              <a:defRPr sz="2400"/>
+              <a:defRPr sz="2100"/>
             </a:lvl1pPr>
-            <a:lvl2pPr marL="457200" indent="0" algn="ctr">
-              <a:buNone/>
-              <a:defRPr sz="2000"/>
+            <a:lvl2pPr marL="391866" indent="0" algn="ctr">
+              <a:buNone/>
+              <a:defRPr sz="1700"/>
             </a:lvl2pPr>
-            <a:lvl3pPr marL="914400" indent="0" algn="ctr">
-              <a:buNone/>
-              <a:defRPr sz="1800"/>
+            <a:lvl3pPr marL="783732" indent="0" algn="ctr">
+              <a:buNone/>
+              <a:defRPr sz="1500"/>
             </a:lvl3pPr>
-            <a:lvl4pPr marL="1371600" indent="0" algn="ctr">
-              <a:buNone/>
-              <a:defRPr sz="1600"/>
+            <a:lvl4pPr marL="1175598" indent="0" algn="ctr">
+              <a:buNone/>
+              <a:defRPr sz="1400"/>
             </a:lvl4pPr>
-            <a:lvl5pPr marL="1828800" indent="0" algn="ctr">
-              <a:buNone/>
-              <a:defRPr sz="1600"/>
+            <a:lvl5pPr marL="1567464" indent="0" algn="ctr">
+              <a:buNone/>
+              <a:defRPr sz="1400"/>
             </a:lvl5pPr>
-            <a:lvl6pPr marL="2286000" indent="0" algn="ctr">
-              <a:buNone/>
-              <a:defRPr sz="1600"/>
+            <a:lvl6pPr marL="1959331" indent="0" algn="ctr">
+              <a:buNone/>
+              <a:defRPr sz="1400"/>
             </a:lvl6pPr>
-            <a:lvl7pPr marL="2743200" indent="0" algn="ctr">
-              <a:buNone/>
-              <a:defRPr sz="1600"/>
+            <a:lvl7pPr marL="2351197" indent="0" algn="ctr">
+              <a:buNone/>
+              <a:defRPr sz="1400"/>
             </a:lvl7pPr>
-            <a:lvl8pPr marL="3200400" indent="0" algn="ctr">
-              <a:buNone/>
-              <a:defRPr sz="1600"/>
+            <a:lvl8pPr marL="2743063" indent="0" algn="ctr">
+              <a:buNone/>
+              <a:defRPr sz="1400"/>
             </a:lvl8pPr>
-            <a:lvl9pPr marL="3657600" indent="0" algn="ctr">
-              <a:buNone/>
-              <a:defRPr sz="1600"/>
+            <a:lvl9pPr marL="3134929" indent="0" algn="ctr">
+              <a:buNone/>
+              <a:defRPr sz="1400"/>
             </a:lvl9pPr>
           </a:lstStyle>
           <a:p>
@@ -238,7 +238,7 @@
           <a:p>
             <a:fld id="{03D963E1-039C-4781-AB6D-4A838932A1E4}" type="datetimeFigureOut">
               <a:rPr lang="en-US" smtClean="0"/>
-              <a:t>27-Jan-16</a:t>
+              <a:t>1/28/16</a:t>
             </a:fld>
             <a:endParaRPr lang="en-US"/>
           </a:p>
@@ -408,7 +408,7 @@
           <a:p>
             <a:fld id="{03D963E1-039C-4781-AB6D-4A838932A1E4}" type="datetimeFigureOut">
               <a:rPr lang="en-US" smtClean="0"/>
-              <a:t>27-Jan-16</a:t>
+              <a:t>1/28/16</a:t>
             </a:fld>
             <a:endParaRPr lang="en-US"/>
           </a:p>
@@ -498,8 +498,8 @@
         </p:nvSpPr>
         <p:spPr>
           <a:xfrm>
-            <a:off x="8724900" y="365125"/>
-            <a:ext cx="2628900" cy="5811838"/>
+            <a:off x="6543676" y="228795"/>
+            <a:ext cx="1971675" cy="3641816"/>
           </a:xfrm>
         </p:spPr>
         <p:txBody>
@@ -526,8 +526,8 @@
         </p:nvSpPr>
         <p:spPr>
           <a:xfrm>
-            <a:off x="838200" y="365125"/>
-            <a:ext cx="7734300" cy="5811838"/>
+            <a:off x="628652" y="228795"/>
+            <a:ext cx="5800725" cy="3641816"/>
           </a:xfrm>
         </p:spPr>
         <p:txBody>
@@ -588,7 +588,7 @@
           <a:p>
             <a:fld id="{03D963E1-039C-4781-AB6D-4A838932A1E4}" type="datetimeFigureOut">
               <a:rPr lang="en-US" smtClean="0"/>
-              <a:t>27-Jan-16</a:t>
+              <a:t>1/28/16</a:t>
             </a:fld>
             <a:endParaRPr lang="en-US"/>
           </a:p>
@@ -758,7 +758,7 @@
           <a:p>
             <a:fld id="{03D963E1-039C-4781-AB6D-4A838932A1E4}" type="datetimeFigureOut">
               <a:rPr lang="en-US" smtClean="0"/>
-              <a:t>27-Jan-16</a:t>
+              <a:t>1/28/16</a:t>
             </a:fld>
             <a:endParaRPr lang="en-US"/>
           </a:p>
@@ -848,15 +848,15 @@
         </p:nvSpPr>
         <p:spPr>
           <a:xfrm>
-            <a:off x="831850" y="1709738"/>
-            <a:ext cx="10515600" cy="2852737"/>
+            <a:off x="623887" y="1071357"/>
+            <a:ext cx="7886700" cy="1787583"/>
           </a:xfrm>
         </p:spPr>
         <p:txBody>
           <a:bodyPr anchor="b"/>
           <a:lstStyle>
             <a:lvl1pPr>
-              <a:defRPr sz="6000"/>
+              <a:defRPr sz="5100"/>
             </a:lvl1pPr>
           </a:lstStyle>
           <a:p>
@@ -880,8 +880,8 @@
         </p:nvSpPr>
         <p:spPr>
           <a:xfrm>
-            <a:off x="831850" y="4589463"/>
-            <a:ext cx="10515600" cy="1500187"/>
+            <a:off x="623887" y="2875851"/>
+            <a:ext cx="7886700" cy="940049"/>
           </a:xfrm>
         </p:spPr>
         <p:txBody>
@@ -889,7 +889,7 @@
           <a:lstStyle>
             <a:lvl1pPr marL="0" indent="0">
               <a:buNone/>
-              <a:defRPr sz="2400">
+              <a:defRPr sz="2100">
                 <a:solidFill>
                   <a:schemeClr val="tx1">
                     <a:tint val="75000"/>
@@ -897,9 +897,9 @@
                 </a:solidFill>
               </a:defRPr>
             </a:lvl1pPr>
-            <a:lvl2pPr marL="457200" indent="0">
-              <a:buNone/>
-              <a:defRPr sz="2000">
+            <a:lvl2pPr marL="391866" indent="0">
+              <a:buNone/>
+              <a:defRPr sz="1700">
                 <a:solidFill>
                   <a:schemeClr val="tx1">
                     <a:tint val="75000"/>
@@ -907,9 +907,9 @@
                 </a:solidFill>
               </a:defRPr>
             </a:lvl2pPr>
-            <a:lvl3pPr marL="914400" indent="0">
-              <a:buNone/>
-              <a:defRPr sz="1800">
+            <a:lvl3pPr marL="783732" indent="0">
+              <a:buNone/>
+              <a:defRPr sz="1500">
                 <a:solidFill>
                   <a:schemeClr val="tx1">
                     <a:tint val="75000"/>
@@ -917,9 +917,9 @@
                 </a:solidFill>
               </a:defRPr>
             </a:lvl3pPr>
-            <a:lvl4pPr marL="1371600" indent="0">
-              <a:buNone/>
-              <a:defRPr sz="1600">
+            <a:lvl4pPr marL="1175598" indent="0">
+              <a:buNone/>
+              <a:defRPr sz="1400">
                 <a:solidFill>
                   <a:schemeClr val="tx1">
                     <a:tint val="75000"/>
@@ -927,9 +927,9 @@
                 </a:solidFill>
               </a:defRPr>
             </a:lvl4pPr>
-            <a:lvl5pPr marL="1828800" indent="0">
-              <a:buNone/>
-              <a:defRPr sz="1600">
+            <a:lvl5pPr marL="1567464" indent="0">
+              <a:buNone/>
+              <a:defRPr sz="1400">
                 <a:solidFill>
                   <a:schemeClr val="tx1">
                     <a:tint val="75000"/>
@@ -937,9 +937,9 @@
                 </a:solidFill>
               </a:defRPr>
             </a:lvl5pPr>
-            <a:lvl6pPr marL="2286000" indent="0">
-              <a:buNone/>
-              <a:defRPr sz="1600">
+            <a:lvl6pPr marL="1959331" indent="0">
+              <a:buNone/>
+              <a:defRPr sz="1400">
                 <a:solidFill>
                   <a:schemeClr val="tx1">
                     <a:tint val="75000"/>
@@ -947,9 +947,9 @@
                 </a:solidFill>
               </a:defRPr>
             </a:lvl6pPr>
-            <a:lvl7pPr marL="2743200" indent="0">
-              <a:buNone/>
-              <a:defRPr sz="1600">
+            <a:lvl7pPr marL="2351197" indent="0">
+              <a:buNone/>
+              <a:defRPr sz="1400">
                 <a:solidFill>
                   <a:schemeClr val="tx1">
                     <a:tint val="75000"/>
@@ -957,9 +957,9 @@
                 </a:solidFill>
               </a:defRPr>
             </a:lvl7pPr>
-            <a:lvl8pPr marL="3200400" indent="0">
-              <a:buNone/>
-              <a:defRPr sz="1600">
+            <a:lvl8pPr marL="2743063" indent="0">
+              <a:buNone/>
+              <a:defRPr sz="1400">
                 <a:solidFill>
                   <a:schemeClr val="tx1">
                     <a:tint val="75000"/>
@@ -967,9 +967,9 @@
                 </a:solidFill>
               </a:defRPr>
             </a:lvl8pPr>
-            <a:lvl9pPr marL="3657600" indent="0">
-              <a:buNone/>
-              <a:defRPr sz="1600">
+            <a:lvl9pPr marL="3134929" indent="0">
+              <a:buNone/>
+              <a:defRPr sz="1400">
                 <a:solidFill>
                   <a:schemeClr val="tx1">
                     <a:tint val="75000"/>
@@ -1004,7 +1004,7 @@
           <a:p>
             <a:fld id="{03D963E1-039C-4781-AB6D-4A838932A1E4}" type="datetimeFigureOut">
               <a:rPr lang="en-US" smtClean="0"/>
-              <a:t>27-Jan-16</a:t>
+              <a:t>1/28/16</a:t>
             </a:fld>
             <a:endParaRPr lang="en-US"/>
           </a:p>
@@ -1117,8 +1117,8 @@
         </p:nvSpPr>
         <p:spPr>
           <a:xfrm>
-            <a:off x="838200" y="1825625"/>
-            <a:ext cx="5181600" cy="4351338"/>
+            <a:off x="628650" y="1143973"/>
+            <a:ext cx="3886200" cy="2726637"/>
           </a:xfrm>
         </p:spPr>
         <p:txBody>
@@ -1174,8 +1174,8 @@
         </p:nvSpPr>
         <p:spPr>
           <a:xfrm>
-            <a:off x="6172200" y="1825625"/>
-            <a:ext cx="5181600" cy="4351338"/>
+            <a:off x="4629150" y="1143973"/>
+            <a:ext cx="3886200" cy="2726637"/>
           </a:xfrm>
         </p:spPr>
         <p:txBody>
@@ -1236,7 +1236,7 @@
           <a:p>
             <a:fld id="{03D963E1-039C-4781-AB6D-4A838932A1E4}" type="datetimeFigureOut">
               <a:rPr lang="en-US" smtClean="0"/>
-              <a:t>27-Jan-16</a:t>
+              <a:t>1/28/16</a:t>
             </a:fld>
             <a:endParaRPr lang="en-US"/>
           </a:p>
@@ -1326,8 +1326,8 @@
         </p:nvSpPr>
         <p:spPr>
           <a:xfrm>
-            <a:off x="839788" y="365125"/>
-            <a:ext cx="10515600" cy="1325563"/>
+            <a:off x="629841" y="228796"/>
+            <a:ext cx="7886700" cy="830624"/>
           </a:xfrm>
         </p:spPr>
         <p:txBody>
@@ -1354,8 +1354,8 @@
         </p:nvSpPr>
         <p:spPr>
           <a:xfrm>
-            <a:off x="839788" y="1681163"/>
-            <a:ext cx="5157787" cy="823912"/>
+            <a:off x="629842" y="1053452"/>
+            <a:ext cx="3868340" cy="516280"/>
           </a:xfrm>
         </p:spPr>
         <p:txBody>
@@ -1363,39 +1363,39 @@
           <a:lstStyle>
             <a:lvl1pPr marL="0" indent="0">
               <a:buNone/>
-              <a:defRPr sz="2400" b="1"/>
+              <a:defRPr sz="2100" b="1"/>
             </a:lvl1pPr>
-            <a:lvl2pPr marL="457200" indent="0">
-              <a:buNone/>
-              <a:defRPr sz="2000" b="1"/>
+            <a:lvl2pPr marL="391866" indent="0">
+              <a:buNone/>
+              <a:defRPr sz="1700" b="1"/>
             </a:lvl2pPr>
-            <a:lvl3pPr marL="914400" indent="0">
-              <a:buNone/>
-              <a:defRPr sz="1800" b="1"/>
+            <a:lvl3pPr marL="783732" indent="0">
+              <a:buNone/>
+              <a:defRPr sz="1500" b="1"/>
             </a:lvl3pPr>
-            <a:lvl4pPr marL="1371600" indent="0">
-              <a:buNone/>
-              <a:defRPr sz="1600" b="1"/>
+            <a:lvl4pPr marL="1175598" indent="0">
+              <a:buNone/>
+              <a:defRPr sz="1400" b="1"/>
             </a:lvl4pPr>
-            <a:lvl5pPr marL="1828800" indent="0">
-              <a:buNone/>
-              <a:defRPr sz="1600" b="1"/>
+            <a:lvl5pPr marL="1567464" indent="0">
+              <a:buNone/>
+              <a:defRPr sz="1400" b="1"/>
             </a:lvl5pPr>
-            <a:lvl6pPr marL="2286000" indent="0">
-              <a:buNone/>
-              <a:defRPr sz="1600" b="1"/>
+            <a:lvl6pPr marL="1959331" indent="0">
+              <a:buNone/>
+              <a:defRPr sz="1400" b="1"/>
             </a:lvl6pPr>
-            <a:lvl7pPr marL="2743200" indent="0">
-              <a:buNone/>
-              <a:defRPr sz="1600" b="1"/>
+            <a:lvl7pPr marL="2351197" indent="0">
+              <a:buNone/>
+              <a:defRPr sz="1400" b="1"/>
             </a:lvl7pPr>
-            <a:lvl8pPr marL="3200400" indent="0">
-              <a:buNone/>
-              <a:defRPr sz="1600" b="1"/>
+            <a:lvl8pPr marL="2743063" indent="0">
+              <a:buNone/>
+              <a:defRPr sz="1400" b="1"/>
             </a:lvl8pPr>
-            <a:lvl9pPr marL="3657600" indent="0">
-              <a:buNone/>
-              <a:defRPr sz="1600" b="1"/>
+            <a:lvl9pPr marL="3134929" indent="0">
+              <a:buNone/>
+              <a:defRPr sz="1400" b="1"/>
             </a:lvl9pPr>
           </a:lstStyle>
           <a:p>
@@ -1419,8 +1419,8 @@
         </p:nvSpPr>
         <p:spPr>
           <a:xfrm>
-            <a:off x="839788" y="2505075"/>
-            <a:ext cx="5157787" cy="3684588"/>
+            <a:off x="629842" y="1569732"/>
+            <a:ext cx="3868340" cy="2308838"/>
           </a:xfrm>
         </p:spPr>
         <p:txBody>
@@ -1476,8 +1476,8 @@
         </p:nvSpPr>
         <p:spPr>
           <a:xfrm>
-            <a:off x="6172200" y="1681163"/>
-            <a:ext cx="5183188" cy="823912"/>
+            <a:off x="4629152" y="1053452"/>
+            <a:ext cx="3887391" cy="516280"/>
           </a:xfrm>
         </p:spPr>
         <p:txBody>
@@ -1485,39 +1485,39 @@
           <a:lstStyle>
             <a:lvl1pPr marL="0" indent="0">
               <a:buNone/>
-              <a:defRPr sz="2400" b="1"/>
+              <a:defRPr sz="2100" b="1"/>
             </a:lvl1pPr>
-            <a:lvl2pPr marL="457200" indent="0">
-              <a:buNone/>
-              <a:defRPr sz="2000" b="1"/>
+            <a:lvl2pPr marL="391866" indent="0">
+              <a:buNone/>
+              <a:defRPr sz="1700" b="1"/>
             </a:lvl2pPr>
-            <a:lvl3pPr marL="914400" indent="0">
-              <a:buNone/>
-              <a:defRPr sz="1800" b="1"/>
+            <a:lvl3pPr marL="783732" indent="0">
+              <a:buNone/>
+              <a:defRPr sz="1500" b="1"/>
             </a:lvl3pPr>
-            <a:lvl4pPr marL="1371600" indent="0">
-              <a:buNone/>
-              <a:defRPr sz="1600" b="1"/>
+            <a:lvl4pPr marL="1175598" indent="0">
+              <a:buNone/>
+              <a:defRPr sz="1400" b="1"/>
             </a:lvl4pPr>
-            <a:lvl5pPr marL="1828800" indent="0">
-              <a:buNone/>
-              <a:defRPr sz="1600" b="1"/>
+            <a:lvl5pPr marL="1567464" indent="0">
+              <a:buNone/>
+              <a:defRPr sz="1400" b="1"/>
             </a:lvl5pPr>
-            <a:lvl6pPr marL="2286000" indent="0">
-              <a:buNone/>
-              <a:defRPr sz="1600" b="1"/>
+            <a:lvl6pPr marL="1959331" indent="0">
+              <a:buNone/>
+              <a:defRPr sz="1400" b="1"/>
             </a:lvl6pPr>
-            <a:lvl7pPr marL="2743200" indent="0">
-              <a:buNone/>
-              <a:defRPr sz="1600" b="1"/>
+            <a:lvl7pPr marL="2351197" indent="0">
+              <a:buNone/>
+              <a:defRPr sz="1400" b="1"/>
             </a:lvl7pPr>
-            <a:lvl8pPr marL="3200400" indent="0">
-              <a:buNone/>
-              <a:defRPr sz="1600" b="1"/>
+            <a:lvl8pPr marL="2743063" indent="0">
+              <a:buNone/>
+              <a:defRPr sz="1400" b="1"/>
             </a:lvl8pPr>
-            <a:lvl9pPr marL="3657600" indent="0">
-              <a:buNone/>
-              <a:defRPr sz="1600" b="1"/>
+            <a:lvl9pPr marL="3134929" indent="0">
+              <a:buNone/>
+              <a:defRPr sz="1400" b="1"/>
             </a:lvl9pPr>
           </a:lstStyle>
           <a:p>
@@ -1541,8 +1541,8 @@
         </p:nvSpPr>
         <p:spPr>
           <a:xfrm>
-            <a:off x="6172200" y="2505075"/>
-            <a:ext cx="5183188" cy="3684588"/>
+            <a:off x="4629152" y="1569732"/>
+            <a:ext cx="3887391" cy="2308838"/>
           </a:xfrm>
         </p:spPr>
         <p:txBody>
@@ -1603,7 +1603,7 @@
           <a:p>
             <a:fld id="{03D963E1-039C-4781-AB6D-4A838932A1E4}" type="datetimeFigureOut">
               <a:rPr lang="en-US" smtClean="0"/>
-              <a:t>27-Jan-16</a:t>
+              <a:t>1/28/16</a:t>
             </a:fld>
             <a:endParaRPr lang="en-US"/>
           </a:p>
@@ -1721,7 +1721,7 @@
           <a:p>
             <a:fld id="{03D963E1-039C-4781-AB6D-4A838932A1E4}" type="datetimeFigureOut">
               <a:rPr lang="en-US" smtClean="0"/>
-              <a:t>27-Jan-16</a:t>
+              <a:t>1/28/16</a:t>
             </a:fld>
             <a:endParaRPr lang="en-US"/>
           </a:p>
@@ -1816,7 +1816,7 @@
           <a:p>
             <a:fld id="{03D963E1-039C-4781-AB6D-4A838932A1E4}" type="datetimeFigureOut">
               <a:rPr lang="en-US" smtClean="0"/>
-              <a:t>27-Jan-16</a:t>
+              <a:t>1/28/16</a:t>
             </a:fld>
             <a:endParaRPr lang="en-US"/>
           </a:p>
@@ -1906,15 +1906,15 @@
         </p:nvSpPr>
         <p:spPr>
           <a:xfrm>
-            <a:off x="839788" y="457200"/>
-            <a:ext cx="3932237" cy="1600200"/>
+            <a:off x="629842" y="286491"/>
+            <a:ext cx="2949178" cy="1002718"/>
           </a:xfrm>
         </p:spPr>
         <p:txBody>
           <a:bodyPr anchor="b"/>
           <a:lstStyle>
             <a:lvl1pPr>
-              <a:defRPr sz="3200"/>
+              <a:defRPr sz="2700"/>
             </a:lvl1pPr>
           </a:lstStyle>
           <a:p>
@@ -1938,39 +1938,39 @@
         </p:nvSpPr>
         <p:spPr>
           <a:xfrm>
-            <a:off x="5183188" y="987425"/>
-            <a:ext cx="6172200" cy="4873625"/>
+            <a:off x="3887391" y="618742"/>
+            <a:ext cx="4629150" cy="3053913"/>
           </a:xfrm>
         </p:spPr>
         <p:txBody>
           <a:bodyPr/>
           <a:lstStyle>
             <a:lvl1pPr>
-              <a:defRPr sz="3200"/>
+              <a:defRPr sz="2700"/>
             </a:lvl1pPr>
             <a:lvl2pPr>
-              <a:defRPr sz="2800"/>
+              <a:defRPr sz="2400"/>
             </a:lvl2pPr>
             <a:lvl3pPr>
-              <a:defRPr sz="2400"/>
+              <a:defRPr sz="2100"/>
             </a:lvl3pPr>
             <a:lvl4pPr>
-              <a:defRPr sz="2000"/>
+              <a:defRPr sz="1700"/>
             </a:lvl4pPr>
             <a:lvl5pPr>
-              <a:defRPr sz="2000"/>
+              <a:defRPr sz="1700"/>
             </a:lvl5pPr>
             <a:lvl6pPr>
-              <a:defRPr sz="2000"/>
+              <a:defRPr sz="1700"/>
             </a:lvl6pPr>
             <a:lvl7pPr>
-              <a:defRPr sz="2000"/>
+              <a:defRPr sz="1700"/>
             </a:lvl7pPr>
             <a:lvl8pPr>
-              <a:defRPr sz="2000"/>
+              <a:defRPr sz="1700"/>
             </a:lvl8pPr>
             <a:lvl9pPr>
-              <a:defRPr sz="2000"/>
+              <a:defRPr sz="1700"/>
             </a:lvl9pPr>
           </a:lstStyle>
           <a:p>
@@ -2023,8 +2023,8 @@
         </p:nvSpPr>
         <p:spPr>
           <a:xfrm>
-            <a:off x="839788" y="2057400"/>
-            <a:ext cx="3932237" cy="3811588"/>
+            <a:off x="629842" y="1289209"/>
+            <a:ext cx="2949178" cy="2388418"/>
           </a:xfrm>
         </p:spPr>
         <p:txBody>
@@ -2032,39 +2032,39 @@
           <a:lstStyle>
             <a:lvl1pPr marL="0" indent="0">
               <a:buNone/>
-              <a:defRPr sz="1600"/>
+              <a:defRPr sz="1400"/>
             </a:lvl1pPr>
-            <a:lvl2pPr marL="457200" indent="0">
-              <a:buNone/>
-              <a:defRPr sz="1400"/>
+            <a:lvl2pPr marL="391866" indent="0">
+              <a:buNone/>
+              <a:defRPr sz="1200"/>
             </a:lvl2pPr>
-            <a:lvl3pPr marL="914400" indent="0">
-              <a:buNone/>
-              <a:defRPr sz="1200"/>
+            <a:lvl3pPr marL="783732" indent="0">
+              <a:buNone/>
+              <a:defRPr sz="1000"/>
             </a:lvl3pPr>
-            <a:lvl4pPr marL="1371600" indent="0">
-              <a:buNone/>
-              <a:defRPr sz="1000"/>
+            <a:lvl4pPr marL="1175598" indent="0">
+              <a:buNone/>
+              <a:defRPr sz="900"/>
             </a:lvl4pPr>
-            <a:lvl5pPr marL="1828800" indent="0">
-              <a:buNone/>
-              <a:defRPr sz="1000"/>
+            <a:lvl5pPr marL="1567464" indent="0">
+              <a:buNone/>
+              <a:defRPr sz="900"/>
             </a:lvl5pPr>
-            <a:lvl6pPr marL="2286000" indent="0">
-              <a:buNone/>
-              <a:defRPr sz="1000"/>
+            <a:lvl6pPr marL="1959331" indent="0">
+              <a:buNone/>
+              <a:defRPr sz="900"/>
             </a:lvl6pPr>
-            <a:lvl7pPr marL="2743200" indent="0">
-              <a:buNone/>
-              <a:defRPr sz="1000"/>
+            <a:lvl7pPr marL="2351197" indent="0">
+              <a:buNone/>
+              <a:defRPr sz="900"/>
             </a:lvl7pPr>
-            <a:lvl8pPr marL="3200400" indent="0">
-              <a:buNone/>
-              <a:defRPr sz="1000"/>
+            <a:lvl8pPr marL="2743063" indent="0">
+              <a:buNone/>
+              <a:defRPr sz="900"/>
             </a:lvl8pPr>
-            <a:lvl9pPr marL="3657600" indent="0">
-              <a:buNone/>
-              <a:defRPr sz="1000"/>
+            <a:lvl9pPr marL="3134929" indent="0">
+              <a:buNone/>
+              <a:defRPr sz="900"/>
             </a:lvl9pPr>
           </a:lstStyle>
           <a:p>
@@ -2093,7 +2093,7 @@
           <a:p>
             <a:fld id="{03D963E1-039C-4781-AB6D-4A838932A1E4}" type="datetimeFigureOut">
               <a:rPr lang="en-US" smtClean="0"/>
-              <a:t>27-Jan-16</a:t>
+              <a:t>1/28/16</a:t>
             </a:fld>
             <a:endParaRPr lang="en-US"/>
           </a:p>
@@ -2183,15 +2183,15 @@
         </p:nvSpPr>
         <p:spPr>
           <a:xfrm>
-            <a:off x="839788" y="457200"/>
-            <a:ext cx="3932237" cy="1600200"/>
+            <a:off x="629842" y="286491"/>
+            <a:ext cx="2949178" cy="1002718"/>
           </a:xfrm>
         </p:spPr>
         <p:txBody>
           <a:bodyPr anchor="b"/>
           <a:lstStyle>
             <a:lvl1pPr>
-              <a:defRPr sz="3200"/>
+              <a:defRPr sz="2700"/>
             </a:lvl1pPr>
           </a:lstStyle>
           <a:p>
@@ -2215,8 +2215,8 @@
         </p:nvSpPr>
         <p:spPr>
           <a:xfrm>
-            <a:off x="5183188" y="987425"/>
-            <a:ext cx="6172200" cy="4873625"/>
+            <a:off x="3887391" y="618742"/>
+            <a:ext cx="4629150" cy="3053913"/>
           </a:xfrm>
         </p:spPr>
         <p:txBody>
@@ -2224,39 +2224,39 @@
           <a:lstStyle>
             <a:lvl1pPr marL="0" indent="0">
               <a:buNone/>
-              <a:defRPr sz="3200"/>
+              <a:defRPr sz="2700"/>
             </a:lvl1pPr>
-            <a:lvl2pPr marL="457200" indent="0">
-              <a:buNone/>
-              <a:defRPr sz="2800"/>
+            <a:lvl2pPr marL="391866" indent="0">
+              <a:buNone/>
+              <a:defRPr sz="2400"/>
             </a:lvl2pPr>
-            <a:lvl3pPr marL="914400" indent="0">
-              <a:buNone/>
-              <a:defRPr sz="2400"/>
+            <a:lvl3pPr marL="783732" indent="0">
+              <a:buNone/>
+              <a:defRPr sz="2100"/>
             </a:lvl3pPr>
-            <a:lvl4pPr marL="1371600" indent="0">
-              <a:buNone/>
-              <a:defRPr sz="2000"/>
+            <a:lvl4pPr marL="1175598" indent="0">
+              <a:buNone/>
+              <a:defRPr sz="1700"/>
             </a:lvl4pPr>
-            <a:lvl5pPr marL="1828800" indent="0">
-              <a:buNone/>
-              <a:defRPr sz="2000"/>
+            <a:lvl5pPr marL="1567464" indent="0">
+              <a:buNone/>
+              <a:defRPr sz="1700"/>
             </a:lvl5pPr>
-            <a:lvl6pPr marL="2286000" indent="0">
-              <a:buNone/>
-              <a:defRPr sz="2000"/>
+            <a:lvl6pPr marL="1959331" indent="0">
+              <a:buNone/>
+              <a:defRPr sz="1700"/>
             </a:lvl6pPr>
-            <a:lvl7pPr marL="2743200" indent="0">
-              <a:buNone/>
-              <a:defRPr sz="2000"/>
+            <a:lvl7pPr marL="2351197" indent="0">
+              <a:buNone/>
+              <a:defRPr sz="1700"/>
             </a:lvl7pPr>
-            <a:lvl8pPr marL="3200400" indent="0">
-              <a:buNone/>
-              <a:defRPr sz="2000"/>
+            <a:lvl8pPr marL="2743063" indent="0">
+              <a:buNone/>
+              <a:defRPr sz="1700"/>
             </a:lvl8pPr>
-            <a:lvl9pPr marL="3657600" indent="0">
-              <a:buNone/>
-              <a:defRPr sz="2000"/>
+            <a:lvl9pPr marL="3134929" indent="0">
+              <a:buNone/>
+              <a:defRPr sz="1700"/>
             </a:lvl9pPr>
           </a:lstStyle>
           <a:p>
@@ -2276,8 +2276,8 @@
         </p:nvSpPr>
         <p:spPr>
           <a:xfrm>
-            <a:off x="839788" y="2057400"/>
-            <a:ext cx="3932237" cy="3811588"/>
+            <a:off x="629842" y="1289209"/>
+            <a:ext cx="2949178" cy="2388418"/>
           </a:xfrm>
         </p:spPr>
         <p:txBody>
@@ -2285,39 +2285,39 @@
           <a:lstStyle>
             <a:lvl1pPr marL="0" indent="0">
               <a:buNone/>
-              <a:defRPr sz="1600"/>
+              <a:defRPr sz="1400"/>
             </a:lvl1pPr>
-            <a:lvl2pPr marL="457200" indent="0">
-              <a:buNone/>
-              <a:defRPr sz="1400"/>
+            <a:lvl2pPr marL="391866" indent="0">
+              <a:buNone/>
+              <a:defRPr sz="1200"/>
             </a:lvl2pPr>
-            <a:lvl3pPr marL="914400" indent="0">
-              <a:buNone/>
-              <a:defRPr sz="1200"/>
+            <a:lvl3pPr marL="783732" indent="0">
+              <a:buNone/>
+              <a:defRPr sz="1000"/>
             </a:lvl3pPr>
-            <a:lvl4pPr marL="1371600" indent="0">
-              <a:buNone/>
-              <a:defRPr sz="1000"/>
+            <a:lvl4pPr marL="1175598" indent="0">
+              <a:buNone/>
+              <a:defRPr sz="900"/>
             </a:lvl4pPr>
-            <a:lvl5pPr marL="1828800" indent="0">
-              <a:buNone/>
-              <a:defRPr sz="1000"/>
+            <a:lvl5pPr marL="1567464" indent="0">
+              <a:buNone/>
+              <a:defRPr sz="900"/>
             </a:lvl5pPr>
-            <a:lvl6pPr marL="2286000" indent="0">
-              <a:buNone/>
-              <a:defRPr sz="1000"/>
+            <a:lvl6pPr marL="1959331" indent="0">
+              <a:buNone/>
+              <a:defRPr sz="900"/>
             </a:lvl6pPr>
-            <a:lvl7pPr marL="2743200" indent="0">
-              <a:buNone/>
-              <a:defRPr sz="1000"/>
+            <a:lvl7pPr marL="2351197" indent="0">
+              <a:buNone/>
+              <a:defRPr sz="900"/>
             </a:lvl7pPr>
-            <a:lvl8pPr marL="3200400" indent="0">
-              <a:buNone/>
-              <a:defRPr sz="1000"/>
+            <a:lvl8pPr marL="2743063" indent="0">
+              <a:buNone/>
+              <a:defRPr sz="900"/>
             </a:lvl8pPr>
-            <a:lvl9pPr marL="3657600" indent="0">
-              <a:buNone/>
-              <a:defRPr sz="1000"/>
+            <a:lvl9pPr marL="3134929" indent="0">
+              <a:buNone/>
+              <a:defRPr sz="900"/>
             </a:lvl9pPr>
           </a:lstStyle>
           <a:p>
@@ -2346,7 +2346,7 @@
           <a:p>
             <a:fld id="{03D963E1-039C-4781-AB6D-4A838932A1E4}" type="datetimeFigureOut">
               <a:rPr lang="en-US" smtClean="0"/>
-              <a:t>27-Jan-16</a:t>
+              <a:t>1/28/16</a:t>
             </a:fld>
             <a:endParaRPr lang="en-US"/>
           </a:p>
@@ -2441,15 +2441,15 @@
         </p:nvSpPr>
         <p:spPr>
           <a:xfrm>
-            <a:off x="838200" y="365125"/>
-            <a:ext cx="10515600" cy="1325563"/>
+            <a:off x="628650" y="228796"/>
+            <a:ext cx="7886700" cy="830624"/>
           </a:xfrm>
           <a:prstGeom prst="rect">
             <a:avLst/>
           </a:prstGeom>
         </p:spPr>
         <p:txBody>
-          <a:bodyPr vert="horz" lIns="91440" tIns="45720" rIns="91440" bIns="45720" rtlCol="0" anchor="ctr">
+          <a:bodyPr vert="horz" lIns="78373" tIns="39187" rIns="78373" bIns="39187" rtlCol="0" anchor="ctr">
             <a:normAutofit/>
           </a:bodyPr>
           <a:lstStyle/>
@@ -2474,15 +2474,15 @@
         </p:nvSpPr>
         <p:spPr>
           <a:xfrm>
-            <a:off x="838200" y="1825625"/>
-            <a:ext cx="10515600" cy="4351338"/>
+            <a:off x="628650" y="1143973"/>
+            <a:ext cx="7886700" cy="2726637"/>
           </a:xfrm>
           <a:prstGeom prst="rect">
             <a:avLst/>
           </a:prstGeom>
         </p:spPr>
         <p:txBody>
-          <a:bodyPr vert="horz" lIns="91440" tIns="45720" rIns="91440" bIns="45720" rtlCol="0">
+          <a:bodyPr vert="horz" lIns="78373" tIns="39187" rIns="78373" bIns="39187" rtlCol="0">
             <a:normAutofit/>
           </a:bodyPr>
           <a:lstStyle/>
@@ -2536,18 +2536,18 @@
         </p:nvSpPr>
         <p:spPr>
           <a:xfrm>
-            <a:off x="838200" y="6356350"/>
-            <a:ext cx="2743200" cy="365125"/>
+            <a:off x="628650" y="3983021"/>
+            <a:ext cx="2057400" cy="228795"/>
           </a:xfrm>
           <a:prstGeom prst="rect">
             <a:avLst/>
           </a:prstGeom>
         </p:spPr>
         <p:txBody>
-          <a:bodyPr vert="horz" lIns="91440" tIns="45720" rIns="91440" bIns="45720" rtlCol="0" anchor="ctr"/>
+          <a:bodyPr vert="horz" lIns="78373" tIns="39187" rIns="78373" bIns="39187" rtlCol="0" anchor="ctr"/>
           <a:lstStyle>
             <a:lvl1pPr algn="l">
-              <a:defRPr sz="1200">
+              <a:defRPr sz="1000">
                 <a:solidFill>
                   <a:schemeClr val="tx1">
                     <a:tint val="75000"/>
@@ -2559,7 +2559,7 @@
           <a:p>
             <a:fld id="{03D963E1-039C-4781-AB6D-4A838932A1E4}" type="datetimeFigureOut">
               <a:rPr lang="en-US" smtClean="0"/>
-              <a:t>27-Jan-16</a:t>
+              <a:t>1/28/16</a:t>
             </a:fld>
             <a:endParaRPr lang="en-US"/>
           </a:p>
@@ -2577,18 +2577,18 @@
         </p:nvSpPr>
         <p:spPr>
           <a:xfrm>
-            <a:off x="4038600" y="6356350"/>
-            <a:ext cx="4114800" cy="365125"/>
+            <a:off x="3028950" y="3983021"/>
+            <a:ext cx="3086100" cy="228795"/>
           </a:xfrm>
           <a:prstGeom prst="rect">
             <a:avLst/>
           </a:prstGeom>
         </p:spPr>
         <p:txBody>
-          <a:bodyPr vert="horz" lIns="91440" tIns="45720" rIns="91440" bIns="45720" rtlCol="0" anchor="ctr"/>
+          <a:bodyPr vert="horz" lIns="78373" tIns="39187" rIns="78373" bIns="39187" rtlCol="0" anchor="ctr"/>
           <a:lstStyle>
             <a:lvl1pPr algn="ctr">
-              <a:defRPr sz="1200">
+              <a:defRPr sz="1000">
                 <a:solidFill>
                   <a:schemeClr val="tx1">
                     <a:tint val="75000"/>
@@ -2614,18 +2614,18 @@
         </p:nvSpPr>
         <p:spPr>
           <a:xfrm>
-            <a:off x="8610600" y="6356350"/>
-            <a:ext cx="2743200" cy="365125"/>
+            <a:off x="6457950" y="3983021"/>
+            <a:ext cx="2057400" cy="228795"/>
           </a:xfrm>
           <a:prstGeom prst="rect">
             <a:avLst/>
           </a:prstGeom>
         </p:spPr>
         <p:txBody>
-          <a:bodyPr vert="horz" lIns="91440" tIns="45720" rIns="91440" bIns="45720" rtlCol="0" anchor="ctr"/>
+          <a:bodyPr vert="horz" lIns="78373" tIns="39187" rIns="78373" bIns="39187" rtlCol="0" anchor="ctr"/>
           <a:lstStyle>
             <a:lvl1pPr algn="r">
-              <a:defRPr sz="1200">
+              <a:defRPr sz="1000">
                 <a:solidFill>
                   <a:schemeClr val="tx1">
                     <a:tint val="75000"/>
@@ -2666,7 +2666,7 @@
   </p:sldLayoutIdLst>
   <p:txStyles>
     <p:titleStyle>
-      <a:lvl1pPr algn="l" defTabSz="914400" rtl="0" eaLnBrk="1" latinLnBrk="0" hangingPunct="1">
+      <a:lvl1pPr algn="l" defTabSz="783732" rtl="0" eaLnBrk="1" latinLnBrk="0" hangingPunct="1">
         <a:lnSpc>
           <a:spcPct val="90000"/>
         </a:lnSpc>
@@ -2674,7 +2674,7 @@
           <a:spcPct val="0"/>
         </a:spcBef>
         <a:buNone/>
-        <a:defRPr sz="4400" kern="1200">
+        <a:defRPr sz="3800" kern="1200">
           <a:solidFill>
             <a:schemeClr val="tx1"/>
           </a:solidFill>
@@ -2685,30 +2685,12 @@
       </a:lvl1pPr>
     </p:titleStyle>
     <p:bodyStyle>
-      <a:lvl1pPr marL="228600" indent="-228600" algn="l" defTabSz="914400" rtl="0" eaLnBrk="1" latinLnBrk="0" hangingPunct="1">
+      <a:lvl1pPr marL="195933" indent="-195933" algn="l" defTabSz="783732" rtl="0" eaLnBrk="1" latinLnBrk="0" hangingPunct="1">
         <a:lnSpc>
           <a:spcPct val="90000"/>
         </a:lnSpc>
         <a:spcBef>
-          <a:spcPts val="1000"/>
-        </a:spcBef>
-        <a:buFont typeface="Arial" panose="020B0604020202020204" pitchFamily="34" charset="0"/>
-        <a:buChar char="•"/>
-        <a:defRPr sz="2800" kern="1200">
-          <a:solidFill>
-            <a:schemeClr val="tx1"/>
-          </a:solidFill>
-          <a:latin typeface="+mn-lt"/>
-          <a:ea typeface="+mn-ea"/>
-          <a:cs typeface="+mn-cs"/>
-        </a:defRPr>
-      </a:lvl1pPr>
-      <a:lvl2pPr marL="685800" indent="-228600" algn="l" defTabSz="914400" rtl="0" eaLnBrk="1" latinLnBrk="0" hangingPunct="1">
-        <a:lnSpc>
-          <a:spcPct val="90000"/>
-        </a:lnSpc>
-        <a:spcBef>
-          <a:spcPts val="500"/>
+          <a:spcPts val="857"/>
         </a:spcBef>
         <a:buFont typeface="Arial" panose="020B0604020202020204" pitchFamily="34" charset="0"/>
         <a:buChar char="•"/>
@@ -2720,17 +2702,35 @@
           <a:ea typeface="+mn-ea"/>
           <a:cs typeface="+mn-cs"/>
         </a:defRPr>
-      </a:lvl2pPr>
-      <a:lvl3pPr marL="1143000" indent="-228600" algn="l" defTabSz="914400" rtl="0" eaLnBrk="1" latinLnBrk="0" hangingPunct="1">
+      </a:lvl1pPr>
+      <a:lvl2pPr marL="587799" indent="-195933" algn="l" defTabSz="783732" rtl="0" eaLnBrk="1" latinLnBrk="0" hangingPunct="1">
         <a:lnSpc>
           <a:spcPct val="90000"/>
         </a:lnSpc>
         <a:spcBef>
-          <a:spcPts val="500"/>
+          <a:spcPts val="429"/>
         </a:spcBef>
         <a:buFont typeface="Arial" panose="020B0604020202020204" pitchFamily="34" charset="0"/>
         <a:buChar char="•"/>
-        <a:defRPr sz="2000" kern="1200">
+        <a:defRPr sz="2100" kern="1200">
+          <a:solidFill>
+            <a:schemeClr val="tx1"/>
+          </a:solidFill>
+          <a:latin typeface="+mn-lt"/>
+          <a:ea typeface="+mn-ea"/>
+          <a:cs typeface="+mn-cs"/>
+        </a:defRPr>
+      </a:lvl2pPr>
+      <a:lvl3pPr marL="979665" indent="-195933" algn="l" defTabSz="783732" rtl="0" eaLnBrk="1" latinLnBrk="0" hangingPunct="1">
+        <a:lnSpc>
+          <a:spcPct val="90000"/>
+        </a:lnSpc>
+        <a:spcBef>
+          <a:spcPts val="429"/>
+        </a:spcBef>
+        <a:buFont typeface="Arial" panose="020B0604020202020204" pitchFamily="34" charset="0"/>
+        <a:buChar char="•"/>
+        <a:defRPr sz="1700" kern="1200">
           <a:solidFill>
             <a:schemeClr val="tx1"/>
           </a:solidFill>
@@ -2739,16 +2739,16 @@
           <a:cs typeface="+mn-cs"/>
         </a:defRPr>
       </a:lvl3pPr>
-      <a:lvl4pPr marL="1600200" indent="-228600" algn="l" defTabSz="914400" rtl="0" eaLnBrk="1" latinLnBrk="0" hangingPunct="1">
+      <a:lvl4pPr marL="1371531" indent="-195933" algn="l" defTabSz="783732" rtl="0" eaLnBrk="1" latinLnBrk="0" hangingPunct="1">
         <a:lnSpc>
           <a:spcPct val="90000"/>
         </a:lnSpc>
         <a:spcBef>
-          <a:spcPts val="500"/>
+          <a:spcPts val="429"/>
         </a:spcBef>
         <a:buFont typeface="Arial" panose="020B0604020202020204" pitchFamily="34" charset="0"/>
         <a:buChar char="•"/>
-        <a:defRPr sz="1800" kern="1200">
+        <a:defRPr sz="1500" kern="1200">
           <a:solidFill>
             <a:schemeClr val="tx1"/>
           </a:solidFill>
@@ -2757,16 +2757,16 @@
           <a:cs typeface="+mn-cs"/>
         </a:defRPr>
       </a:lvl4pPr>
-      <a:lvl5pPr marL="2057400" indent="-228600" algn="l" defTabSz="914400" rtl="0" eaLnBrk="1" latinLnBrk="0" hangingPunct="1">
+      <a:lvl5pPr marL="1763398" indent="-195933" algn="l" defTabSz="783732" rtl="0" eaLnBrk="1" latinLnBrk="0" hangingPunct="1">
         <a:lnSpc>
           <a:spcPct val="90000"/>
         </a:lnSpc>
         <a:spcBef>
-          <a:spcPts val="500"/>
+          <a:spcPts val="429"/>
         </a:spcBef>
         <a:buFont typeface="Arial" panose="020B0604020202020204" pitchFamily="34" charset="0"/>
         <a:buChar char="•"/>
-        <a:defRPr sz="1800" kern="1200">
+        <a:defRPr sz="1500" kern="1200">
           <a:solidFill>
             <a:schemeClr val="tx1"/>
           </a:solidFill>
@@ -2775,16 +2775,16 @@
           <a:cs typeface="+mn-cs"/>
         </a:defRPr>
       </a:lvl5pPr>
-      <a:lvl6pPr marL="2514600" indent="-228600" algn="l" defTabSz="914400" rtl="0" eaLnBrk="1" latinLnBrk="0" hangingPunct="1">
+      <a:lvl6pPr marL="2155264" indent="-195933" algn="l" defTabSz="783732" rtl="0" eaLnBrk="1" latinLnBrk="0" hangingPunct="1">
         <a:lnSpc>
           <a:spcPct val="90000"/>
         </a:lnSpc>
         <a:spcBef>
-          <a:spcPts val="500"/>
+          <a:spcPts val="429"/>
         </a:spcBef>
         <a:buFont typeface="Arial" panose="020B0604020202020204" pitchFamily="34" charset="0"/>
         <a:buChar char="•"/>
-        <a:defRPr sz="1800" kern="1200">
+        <a:defRPr sz="1500" kern="1200">
           <a:solidFill>
             <a:schemeClr val="tx1"/>
           </a:solidFill>
@@ -2793,16 +2793,16 @@
           <a:cs typeface="+mn-cs"/>
         </a:defRPr>
       </a:lvl6pPr>
-      <a:lvl7pPr marL="2971800" indent="-228600" algn="l" defTabSz="914400" rtl="0" eaLnBrk="1" latinLnBrk="0" hangingPunct="1">
+      <a:lvl7pPr marL="2547130" indent="-195933" algn="l" defTabSz="783732" rtl="0" eaLnBrk="1" latinLnBrk="0" hangingPunct="1">
         <a:lnSpc>
           <a:spcPct val="90000"/>
         </a:lnSpc>
         <a:spcBef>
-          <a:spcPts val="500"/>
+          <a:spcPts val="429"/>
         </a:spcBef>
         <a:buFont typeface="Arial" panose="020B0604020202020204" pitchFamily="34" charset="0"/>
         <a:buChar char="•"/>
-        <a:defRPr sz="1800" kern="1200">
+        <a:defRPr sz="1500" kern="1200">
           <a:solidFill>
             <a:schemeClr val="tx1"/>
           </a:solidFill>
@@ -2811,16 +2811,16 @@
           <a:cs typeface="+mn-cs"/>
         </a:defRPr>
       </a:lvl7pPr>
-      <a:lvl8pPr marL="3429000" indent="-228600" algn="l" defTabSz="914400" rtl="0" eaLnBrk="1" latinLnBrk="0" hangingPunct="1">
+      <a:lvl8pPr marL="2938996" indent="-195933" algn="l" defTabSz="783732" rtl="0" eaLnBrk="1" latinLnBrk="0" hangingPunct="1">
         <a:lnSpc>
           <a:spcPct val="90000"/>
         </a:lnSpc>
         <a:spcBef>
-          <a:spcPts val="500"/>
+          <a:spcPts val="429"/>
         </a:spcBef>
         <a:buFont typeface="Arial" panose="020B0604020202020204" pitchFamily="34" charset="0"/>
         <a:buChar char="•"/>
-        <a:defRPr sz="1800" kern="1200">
+        <a:defRPr sz="1500" kern="1200">
           <a:solidFill>
             <a:schemeClr val="tx1"/>
           </a:solidFill>
@@ -2829,16 +2829,16 @@
           <a:cs typeface="+mn-cs"/>
         </a:defRPr>
       </a:lvl8pPr>
-      <a:lvl9pPr marL="3886200" indent="-228600" algn="l" defTabSz="914400" rtl="0" eaLnBrk="1" latinLnBrk="0" hangingPunct="1">
+      <a:lvl9pPr marL="3330862" indent="-195933" algn="l" defTabSz="783732" rtl="0" eaLnBrk="1" latinLnBrk="0" hangingPunct="1">
         <a:lnSpc>
           <a:spcPct val="90000"/>
         </a:lnSpc>
         <a:spcBef>
-          <a:spcPts val="500"/>
+          <a:spcPts val="429"/>
         </a:spcBef>
         <a:buFont typeface="Arial" panose="020B0604020202020204" pitchFamily="34" charset="0"/>
         <a:buChar char="•"/>
-        <a:defRPr sz="1800" kern="1200">
+        <a:defRPr sz="1500" kern="1200">
           <a:solidFill>
             <a:schemeClr val="tx1"/>
           </a:solidFill>
@@ -2852,8 +2852,8 @@
       <a:defPPr>
         <a:defRPr lang="en-US"/>
       </a:defPPr>
-      <a:lvl1pPr marL="0" algn="l" defTabSz="914400" rtl="0" eaLnBrk="1" latinLnBrk="0" hangingPunct="1">
-        <a:defRPr sz="1800" kern="1200">
+      <a:lvl1pPr marL="0" algn="l" defTabSz="783732" rtl="0" eaLnBrk="1" latinLnBrk="0" hangingPunct="1">
+        <a:defRPr sz="1500" kern="1200">
           <a:solidFill>
             <a:schemeClr val="tx1"/>
           </a:solidFill>
@@ -2862,8 +2862,8 @@
           <a:cs typeface="+mn-cs"/>
         </a:defRPr>
       </a:lvl1pPr>
-      <a:lvl2pPr marL="457200" algn="l" defTabSz="914400" rtl="0" eaLnBrk="1" latinLnBrk="0" hangingPunct="1">
-        <a:defRPr sz="1800" kern="1200">
+      <a:lvl2pPr marL="391866" algn="l" defTabSz="783732" rtl="0" eaLnBrk="1" latinLnBrk="0" hangingPunct="1">
+        <a:defRPr sz="1500" kern="1200">
           <a:solidFill>
             <a:schemeClr val="tx1"/>
           </a:solidFill>
@@ -2872,8 +2872,8 @@
           <a:cs typeface="+mn-cs"/>
         </a:defRPr>
       </a:lvl2pPr>
-      <a:lvl3pPr marL="914400" algn="l" defTabSz="914400" rtl="0" eaLnBrk="1" latinLnBrk="0" hangingPunct="1">
-        <a:defRPr sz="1800" kern="1200">
+      <a:lvl3pPr marL="783732" algn="l" defTabSz="783732" rtl="0" eaLnBrk="1" latinLnBrk="0" hangingPunct="1">
+        <a:defRPr sz="1500" kern="1200">
           <a:solidFill>
             <a:schemeClr val="tx1"/>
           </a:solidFill>
@@ -2882,8 +2882,8 @@
           <a:cs typeface="+mn-cs"/>
         </a:defRPr>
       </a:lvl3pPr>
-      <a:lvl4pPr marL="1371600" algn="l" defTabSz="914400" rtl="0" eaLnBrk="1" latinLnBrk="0" hangingPunct="1">
-        <a:defRPr sz="1800" kern="1200">
+      <a:lvl4pPr marL="1175598" algn="l" defTabSz="783732" rtl="0" eaLnBrk="1" latinLnBrk="0" hangingPunct="1">
+        <a:defRPr sz="1500" kern="1200">
           <a:solidFill>
             <a:schemeClr val="tx1"/>
           </a:solidFill>
@@ -2892,8 +2892,8 @@
           <a:cs typeface="+mn-cs"/>
         </a:defRPr>
       </a:lvl4pPr>
-      <a:lvl5pPr marL="1828800" algn="l" defTabSz="914400" rtl="0" eaLnBrk="1" latinLnBrk="0" hangingPunct="1">
-        <a:defRPr sz="1800" kern="1200">
+      <a:lvl5pPr marL="1567464" algn="l" defTabSz="783732" rtl="0" eaLnBrk="1" latinLnBrk="0" hangingPunct="1">
+        <a:defRPr sz="1500" kern="1200">
           <a:solidFill>
             <a:schemeClr val="tx1"/>
           </a:solidFill>
@@ -2902,8 +2902,8 @@
           <a:cs typeface="+mn-cs"/>
         </a:defRPr>
       </a:lvl5pPr>
-      <a:lvl6pPr marL="2286000" algn="l" defTabSz="914400" rtl="0" eaLnBrk="1" latinLnBrk="0" hangingPunct="1">
-        <a:defRPr sz="1800" kern="1200">
+      <a:lvl6pPr marL="1959331" algn="l" defTabSz="783732" rtl="0" eaLnBrk="1" latinLnBrk="0" hangingPunct="1">
+        <a:defRPr sz="1500" kern="1200">
           <a:solidFill>
             <a:schemeClr val="tx1"/>
           </a:solidFill>
@@ -2912,8 +2912,8 @@
           <a:cs typeface="+mn-cs"/>
         </a:defRPr>
       </a:lvl6pPr>
-      <a:lvl7pPr marL="2743200" algn="l" defTabSz="914400" rtl="0" eaLnBrk="1" latinLnBrk="0" hangingPunct="1">
-        <a:defRPr sz="1800" kern="1200">
+      <a:lvl7pPr marL="2351197" algn="l" defTabSz="783732" rtl="0" eaLnBrk="1" latinLnBrk="0" hangingPunct="1">
+        <a:defRPr sz="1500" kern="1200">
           <a:solidFill>
             <a:schemeClr val="tx1"/>
           </a:solidFill>
@@ -2922,8 +2922,8 @@
           <a:cs typeface="+mn-cs"/>
         </a:defRPr>
       </a:lvl7pPr>
-      <a:lvl8pPr marL="3200400" algn="l" defTabSz="914400" rtl="0" eaLnBrk="1" latinLnBrk="0" hangingPunct="1">
-        <a:defRPr sz="1800" kern="1200">
+      <a:lvl8pPr marL="2743063" algn="l" defTabSz="783732" rtl="0" eaLnBrk="1" latinLnBrk="0" hangingPunct="1">
+        <a:defRPr sz="1500" kern="1200">
           <a:solidFill>
             <a:schemeClr val="tx1"/>
           </a:solidFill>
@@ -2932,8 +2932,8 @@
           <a:cs typeface="+mn-cs"/>
         </a:defRPr>
       </a:lvl8pPr>
-      <a:lvl9pPr marL="3657600" algn="l" defTabSz="914400" rtl="0" eaLnBrk="1" latinLnBrk="0" hangingPunct="1">
-        <a:defRPr sz="1800" kern="1200">
+      <a:lvl9pPr marL="3134929" algn="l" defTabSz="783732" rtl="0" eaLnBrk="1" latinLnBrk="0" hangingPunct="1">
+        <a:defRPr sz="1500" kern="1200">
           <a:solidFill>
             <a:schemeClr val="tx1"/>
           </a:solidFill>
@@ -2966,29 +2966,7 @@
       </p:grpSpPr>
       <p:sp>
         <p:nvSpPr>
-          <p:cNvPr id="4" name="Content Placeholder 3"/>
-          <p:cNvSpPr>
-            <a:spLocks noGrp="1"/>
-          </p:cNvSpPr>
-          <p:nvPr>
-            <p:ph idx="1"/>
-          </p:nvPr>
-        </p:nvSpPr>
-        <p:spPr/>
-        <p:txBody>
-          <a:bodyPr/>
-          <a:lstStyle/>
-          <a:p>
-            <a:endParaRPr lang="en-US" dirty="0"/>
-          </a:p>
-          <a:p>
-            <a:endParaRPr lang="en-US" dirty="0"/>
-          </a:p>
-        </p:txBody>
-      </p:sp>
-      <p:sp>
-        <p:nvSpPr>
-          <p:cNvPr id="8" name="Content Placeholder 6"/>
+          <p:cNvPr id="41" name="Content Placeholder 6"/>
           <p:cNvSpPr txBox="1">
             <a:spLocks/>
           </p:cNvSpPr>
@@ -2996,8 +2974,8 @@
         </p:nvSpPr>
         <p:spPr>
           <a:xfrm>
-            <a:off x="1915001" y="4870621"/>
-            <a:ext cx="8696478" cy="485743"/>
+            <a:off x="549540" y="3849685"/>
+            <a:ext cx="8696478" cy="430215"/>
           </a:xfrm>
           <a:prstGeom prst="rect">
             <a:avLst/>
@@ -3150,29 +3128,25 @@
               <a:buNone/>
             </a:pPr>
             <a:r>
-              <a:rPr lang="el-GR" sz="2561" dirty="0">
+              <a:rPr lang="el-GR" sz="2200" dirty="0">
                 <a:latin typeface="Times New Roman" panose="02020603050405020304" pitchFamily="18" charset="0"/>
                 <a:cs typeface="Times New Roman" panose="02020603050405020304" pitchFamily="18" charset="0"/>
               </a:rPr>
               <a:t>ε</a:t>
             </a:r>
             <a:r>
-              <a:rPr lang="en-US" sz="2561" dirty="0">
+              <a:rPr lang="en-US" sz="2200" dirty="0">
                 <a:latin typeface="Times New Roman" panose="02020603050405020304" pitchFamily="18" charset="0"/>
                 <a:cs typeface="Times New Roman" panose="02020603050405020304" pitchFamily="18" charset="0"/>
               </a:rPr>
               <a:t>, Minimum Clearance </a:t>
             </a:r>
-            <a:endParaRPr lang="en-US" sz="2561" dirty="0">
-              <a:latin typeface="Times New Roman" panose="02020603050405020304" pitchFamily="18" charset="0"/>
-              <a:cs typeface="Times New Roman" panose="02020603050405020304" pitchFamily="18" charset="0"/>
-            </a:endParaRPr>
           </a:p>
         </p:txBody>
       </p:sp>
       <p:pic>
         <p:nvPicPr>
-          <p:cNvPr id="3" name="Picture 2"/>
+          <p:cNvPr id="42" name="Picture 41"/>
           <p:cNvPicPr>
             <a:picLocks noChangeAspect="1"/>
           </p:cNvPicPr>
@@ -3185,7 +3159,7 @@
         </p:blipFill>
         <p:spPr>
           <a:xfrm>
-            <a:off x="1795580" y="1024100"/>
+            <a:off x="430119" y="3164"/>
             <a:ext cx="8738288" cy="3846521"/>
           </a:xfrm>
           <a:prstGeom prst="rect">
@@ -3195,14 +3169,14 @@
       </p:pic>
       <p:sp>
         <p:nvSpPr>
-          <p:cNvPr id="7" name="TextBox 6"/>
+          <p:cNvPr id="43" name="TextBox 42"/>
           <p:cNvSpPr txBox="1"/>
           <p:nvPr/>
         </p:nvSpPr>
         <p:spPr>
           <a:xfrm rot="16200000">
-            <a:off x="-109782" y="2560397"/>
-            <a:ext cx="3380605" cy="430118"/>
+            <a:off x="-1036245" y="1539461"/>
+            <a:ext cx="2502608" cy="430118"/>
           </a:xfrm>
           <a:prstGeom prst="rect">
             <a:avLst/>
@@ -3216,13 +3190,13 @@
           <a:lstStyle/>
           <a:p>
             <a:r>
-              <a:rPr lang="en-US" sz="2195" dirty="0">
+              <a:rPr lang="en-US" sz="2200" dirty="0" smtClean="0">
                 <a:latin typeface="Times New Roman" panose="02020603050405020304" pitchFamily="18" charset="0"/>
                 <a:cs typeface="Times New Roman" panose="02020603050405020304" pitchFamily="18" charset="0"/>
               </a:rPr>
-              <a:t>Total distance (robot length)</a:t>
-            </a:r>
-            <a:endParaRPr lang="en-US" sz="2195" dirty="0">
+              <a:t>Commanded  moves</a:t>
+            </a:r>
+            <a:endParaRPr lang="en-US" sz="2200" dirty="0">
               <a:latin typeface="Times New Roman" panose="02020603050405020304" pitchFamily="18" charset="0"/>
               <a:cs typeface="Times New Roman" panose="02020603050405020304" pitchFamily="18" charset="0"/>
             </a:endParaRPr>
@@ -3231,7 +3205,7 @@
       </p:sp>
       <p:pic>
         <p:nvPicPr>
-          <p:cNvPr id="9" name="Picture 8"/>
+          <p:cNvPr id="44" name="Picture 43"/>
           <p:cNvPicPr>
             <a:picLocks noChangeAspect="1"/>
           </p:cNvPicPr>
@@ -3244,7 +3218,7 @@
         </p:blipFill>
         <p:spPr>
           <a:xfrm>
-            <a:off x="4672852" y="648708"/>
+            <a:off x="3215027" y="89592"/>
             <a:ext cx="2722401" cy="1452466"/>
           </a:xfrm>
           <a:prstGeom prst="rect">
@@ -3254,7 +3228,7 @@
       </p:pic>
       <p:sp>
         <p:nvSpPr>
-          <p:cNvPr id="11" name="Content Placeholder 6"/>
+          <p:cNvPr id="45" name="Content Placeholder 6"/>
           <p:cNvSpPr txBox="1">
             <a:spLocks/>
           </p:cNvSpPr>
@@ -3262,8 +3236,8 @@
         </p:nvSpPr>
         <p:spPr>
           <a:xfrm>
-            <a:off x="4672851" y="2025730"/>
-            <a:ext cx="2722401" cy="485743"/>
+            <a:off x="3215026" y="1466614"/>
+            <a:ext cx="2722401" cy="430215"/>
           </a:xfrm>
           <a:prstGeom prst="rect">
             <a:avLst/>
@@ -3416,22 +3390,18 @@
               <a:buNone/>
             </a:pPr>
             <a:r>
-              <a:rPr lang="en-US" sz="2561" dirty="0">
+              <a:rPr lang="en-US" sz="2200" dirty="0">
                 <a:latin typeface="Times New Roman" panose="02020603050405020304" pitchFamily="18" charset="0"/>
                 <a:cs typeface="Times New Roman" panose="02020603050405020304" pitchFamily="18" charset="0"/>
               </a:rPr>
               <a:t>start</a:t>
             </a:r>
-            <a:endParaRPr lang="en-US" sz="2561" dirty="0">
-              <a:latin typeface="Times New Roman" panose="02020603050405020304" pitchFamily="18" charset="0"/>
-              <a:cs typeface="Times New Roman" panose="02020603050405020304" pitchFamily="18" charset="0"/>
-            </a:endParaRPr>
-          </a:p>
-        </p:txBody>
-      </p:sp>
-      <p:sp>
-        <p:nvSpPr>
-          <p:cNvPr id="13" name="Content Placeholder 6"/>
+          </a:p>
+        </p:txBody>
+      </p:sp>
+      <p:sp>
+        <p:nvSpPr>
+          <p:cNvPr id="46" name="Content Placeholder 6"/>
           <p:cNvSpPr txBox="1">
             <a:spLocks/>
           </p:cNvSpPr>
@@ -3439,8 +3409,8 @@
         </p:nvSpPr>
         <p:spPr>
           <a:xfrm>
-            <a:off x="7822293" y="2035281"/>
-            <a:ext cx="2722401" cy="485743"/>
+            <a:off x="6364468" y="1476165"/>
+            <a:ext cx="2722401" cy="430215"/>
           </a:xfrm>
           <a:prstGeom prst="rect">
             <a:avLst/>
@@ -3593,342 +3563,29 @@
               <a:buNone/>
             </a:pPr>
             <a:r>
-              <a:rPr lang="en-US" sz="2561" dirty="0">
+              <a:rPr lang="en-US" sz="2200" dirty="0">
                 <a:latin typeface="Times New Roman" panose="02020603050405020304" pitchFamily="18" charset="0"/>
                 <a:cs typeface="Times New Roman" panose="02020603050405020304" pitchFamily="18" charset="0"/>
               </a:rPr>
               <a:t>f</a:t>
             </a:r>
             <a:r>
-              <a:rPr lang="en-US" sz="2561" dirty="0" smtClean="0">
+              <a:rPr lang="en-US" sz="2200" dirty="0" smtClean="0">
                 <a:latin typeface="Times New Roman" panose="02020603050405020304" pitchFamily="18" charset="0"/>
                 <a:cs typeface="Times New Roman" panose="02020603050405020304" pitchFamily="18" charset="0"/>
               </a:rPr>
               <a:t>inish</a:t>
             </a:r>
-            <a:endParaRPr lang="en-US" sz="2561" dirty="0">
+            <a:endParaRPr lang="en-US" sz="2200" dirty="0">
               <a:latin typeface="Times New Roman" panose="02020603050405020304" pitchFamily="18" charset="0"/>
               <a:cs typeface="Times New Roman" panose="02020603050405020304" pitchFamily="18" charset="0"/>
             </a:endParaRPr>
           </a:p>
         </p:txBody>
       </p:sp>
-      <p:sp>
-        <p:nvSpPr>
-          <p:cNvPr id="14" name="Content Placeholder 6"/>
-          <p:cNvSpPr txBox="1">
-            <a:spLocks/>
-          </p:cNvSpPr>
-          <p:nvPr/>
-        </p:nvSpPr>
-        <p:spPr>
-          <a:xfrm rot="505845">
-            <a:off x="3279647" y="2820038"/>
-            <a:ext cx="8456942" cy="485743"/>
-          </a:xfrm>
-          <a:prstGeom prst="rect">
-            <a:avLst/>
-          </a:prstGeom>
-          <a:noFill/>
-        </p:spPr>
-        <p:txBody>
-          <a:bodyPr vert="horz" wrap="square" lIns="90773" tIns="45387" rIns="90773" bIns="45387" rtlCol="0">
-            <a:spAutoFit/>
-          </a:bodyPr>
-          <a:lstStyle>
-            <a:lvl1pPr marL="186117" indent="-186117" algn="l" defTabSz="248155" rtl="0" eaLnBrk="1" latinLnBrk="0" hangingPunct="1">
-              <a:spcBef>
-                <a:spcPct val="20000"/>
-              </a:spcBef>
-              <a:buFont typeface="Arial"/>
-              <a:buChar char="•"/>
-              <a:defRPr sz="1700" kern="1200">
-                <a:solidFill>
-                  <a:schemeClr val="tx1"/>
-                </a:solidFill>
-                <a:latin typeface="+mn-lt"/>
-                <a:ea typeface="+mn-ea"/>
-                <a:cs typeface="+mn-cs"/>
-              </a:defRPr>
-            </a:lvl1pPr>
-            <a:lvl2pPr marL="403253" indent="-155097" algn="l" defTabSz="248155" rtl="0" eaLnBrk="1" latinLnBrk="0" hangingPunct="1">
-              <a:spcBef>
-                <a:spcPct val="20000"/>
-              </a:spcBef>
-              <a:buFont typeface="Arial"/>
-              <a:buChar char="–"/>
-              <a:defRPr sz="1600" kern="1200">
-                <a:solidFill>
-                  <a:schemeClr val="tx1"/>
-                </a:solidFill>
-                <a:latin typeface="+mn-lt"/>
-                <a:ea typeface="+mn-ea"/>
-                <a:cs typeface="+mn-cs"/>
-              </a:defRPr>
-            </a:lvl2pPr>
-            <a:lvl3pPr marL="620390" indent="-124078" algn="l" defTabSz="248155" rtl="0" eaLnBrk="1" latinLnBrk="0" hangingPunct="1">
-              <a:spcBef>
-                <a:spcPct val="20000"/>
-              </a:spcBef>
-              <a:buFont typeface="Arial"/>
-              <a:buChar char="•"/>
-              <a:defRPr sz="1300" kern="1200">
-                <a:solidFill>
-                  <a:schemeClr val="tx1"/>
-                </a:solidFill>
-                <a:latin typeface="+mn-lt"/>
-                <a:ea typeface="+mn-ea"/>
-                <a:cs typeface="+mn-cs"/>
-              </a:defRPr>
-            </a:lvl3pPr>
-            <a:lvl4pPr marL="868545" indent="-124078" algn="l" defTabSz="248155" rtl="0" eaLnBrk="1" latinLnBrk="0" hangingPunct="1">
-              <a:spcBef>
-                <a:spcPct val="20000"/>
-              </a:spcBef>
-              <a:buFont typeface="Arial"/>
-              <a:buChar char="–"/>
-              <a:defRPr sz="1100" kern="1200">
-                <a:solidFill>
-                  <a:schemeClr val="tx1"/>
-                </a:solidFill>
-                <a:latin typeface="+mn-lt"/>
-                <a:ea typeface="+mn-ea"/>
-                <a:cs typeface="+mn-cs"/>
-              </a:defRPr>
-            </a:lvl4pPr>
-            <a:lvl5pPr marL="1116700" indent="-124078" algn="l" defTabSz="248155" rtl="0" eaLnBrk="1" latinLnBrk="0" hangingPunct="1">
-              <a:spcBef>
-                <a:spcPct val="20000"/>
-              </a:spcBef>
-              <a:buFont typeface="Arial"/>
-              <a:buChar char="»"/>
-              <a:defRPr sz="1100" kern="1200">
-                <a:solidFill>
-                  <a:schemeClr val="tx1"/>
-                </a:solidFill>
-                <a:latin typeface="+mn-lt"/>
-                <a:ea typeface="+mn-ea"/>
-                <a:cs typeface="+mn-cs"/>
-              </a:defRPr>
-            </a:lvl5pPr>
-            <a:lvl6pPr marL="1364856" indent="-124078" algn="l" defTabSz="248155" rtl="0" eaLnBrk="1" latinLnBrk="0" hangingPunct="1">
-              <a:spcBef>
-                <a:spcPct val="20000"/>
-              </a:spcBef>
-              <a:buFont typeface="Arial"/>
-              <a:buChar char="•"/>
-              <a:defRPr sz="1100" kern="1200">
-                <a:solidFill>
-                  <a:schemeClr val="tx1"/>
-                </a:solidFill>
-                <a:latin typeface="+mn-lt"/>
-                <a:ea typeface="+mn-ea"/>
-                <a:cs typeface="+mn-cs"/>
-              </a:defRPr>
-            </a:lvl6pPr>
-            <a:lvl7pPr marL="1613011" indent="-124078" algn="l" defTabSz="248155" rtl="0" eaLnBrk="1" latinLnBrk="0" hangingPunct="1">
-              <a:spcBef>
-                <a:spcPct val="20000"/>
-              </a:spcBef>
-              <a:buFont typeface="Arial"/>
-              <a:buChar char="•"/>
-              <a:defRPr sz="1100" kern="1200">
-                <a:solidFill>
-                  <a:schemeClr val="tx1"/>
-                </a:solidFill>
-                <a:latin typeface="+mn-lt"/>
-                <a:ea typeface="+mn-ea"/>
-                <a:cs typeface="+mn-cs"/>
-              </a:defRPr>
-            </a:lvl7pPr>
-            <a:lvl8pPr marL="1861168" indent="-124078" algn="l" defTabSz="248155" rtl="0" eaLnBrk="1" latinLnBrk="0" hangingPunct="1">
-              <a:spcBef>
-                <a:spcPct val="20000"/>
-              </a:spcBef>
-              <a:buFont typeface="Arial"/>
-              <a:buChar char="•"/>
-              <a:defRPr sz="1100" kern="1200">
-                <a:solidFill>
-                  <a:schemeClr val="tx1"/>
-                </a:solidFill>
-                <a:latin typeface="+mn-lt"/>
-                <a:ea typeface="+mn-ea"/>
-                <a:cs typeface="+mn-cs"/>
-              </a:defRPr>
-            </a:lvl8pPr>
-            <a:lvl9pPr marL="2109323" indent="-124078" algn="l" defTabSz="248155" rtl="0" eaLnBrk="1" latinLnBrk="0" hangingPunct="1">
-              <a:spcBef>
-                <a:spcPct val="20000"/>
-              </a:spcBef>
-              <a:buFont typeface="Arial"/>
-              <a:buChar char="•"/>
-              <a:defRPr sz="1100" kern="1200">
-                <a:solidFill>
-                  <a:schemeClr val="tx1"/>
-                </a:solidFill>
-                <a:latin typeface="+mn-lt"/>
-                <a:ea typeface="+mn-ea"/>
-                <a:cs typeface="+mn-cs"/>
-              </a:defRPr>
-            </a:lvl9pPr>
-          </a:lstStyle>
-          <a:p>
-            <a:pPr marL="0" indent="0" algn="ctr">
-              <a:buNone/>
-            </a:pPr>
-            <a:r>
-              <a:rPr lang="en-US" sz="2561" dirty="0" smtClean="0">
-                <a:solidFill>
-                  <a:schemeClr val="accent6"/>
-                </a:solidFill>
-                <a:latin typeface="Times New Roman" panose="02020603050405020304" pitchFamily="18" charset="0"/>
-                <a:cs typeface="Times New Roman" panose="02020603050405020304" pitchFamily="18" charset="0"/>
-              </a:rPr>
-              <a:t>y =10</a:t>
-            </a:r>
-            <a:r>
-              <a:rPr lang="en-US" sz="2561" baseline="30000" dirty="0" smtClean="0">
-                <a:solidFill>
-                  <a:schemeClr val="accent6"/>
-                </a:solidFill>
-                <a:latin typeface="Times New Roman" panose="02020603050405020304" pitchFamily="18" charset="0"/>
-                <a:cs typeface="Times New Roman" panose="02020603050405020304" pitchFamily="18" charset="0"/>
-              </a:rPr>
-              <a:t>5</a:t>
-            </a:r>
-            <a:r>
-              <a:rPr lang="en-US" sz="2561" dirty="0">
-                <a:solidFill>
-                  <a:schemeClr val="accent6"/>
-                </a:solidFill>
-                <a:latin typeface="Times New Roman" panose="02020603050405020304" pitchFamily="18" charset="0"/>
-                <a:cs typeface="Times New Roman" panose="02020603050405020304" pitchFamily="18" charset="0"/>
-              </a:rPr>
-              <a:t>(</a:t>
-            </a:r>
-            <a:r>
-              <a:rPr lang="en-US" sz="2561" dirty="0" smtClean="0">
-                <a:solidFill>
-                  <a:schemeClr val="accent6"/>
-                </a:solidFill>
-                <a:latin typeface="Times New Roman" panose="02020603050405020304" pitchFamily="18" charset="0"/>
-                <a:cs typeface="Times New Roman" panose="02020603050405020304" pitchFamily="18" charset="0"/>
-              </a:rPr>
-              <a:t> 2.5x</a:t>
-            </a:r>
-            <a:r>
-              <a:rPr lang="en-US" sz="2561" baseline="30000" dirty="0" smtClean="0">
-                <a:solidFill>
-                  <a:schemeClr val="accent6"/>
-                </a:solidFill>
-                <a:latin typeface="Times New Roman" panose="02020603050405020304" pitchFamily="18" charset="0"/>
-                <a:cs typeface="Times New Roman" panose="02020603050405020304" pitchFamily="18" charset="0"/>
-              </a:rPr>
-              <a:t>4</a:t>
-            </a:r>
-            <a:r>
-              <a:rPr lang="en-US" sz="2561" dirty="0" smtClean="0">
-                <a:solidFill>
-                  <a:schemeClr val="accent6"/>
-                </a:solidFill>
-                <a:latin typeface="Times New Roman" panose="02020603050405020304" pitchFamily="18" charset="0"/>
-                <a:cs typeface="Times New Roman" panose="02020603050405020304" pitchFamily="18" charset="0"/>
-              </a:rPr>
-              <a:t> – 7.3x</a:t>
-            </a:r>
-            <a:r>
-              <a:rPr lang="en-US" sz="2561" baseline="30000" dirty="0" smtClean="0">
-                <a:solidFill>
-                  <a:schemeClr val="accent6"/>
-                </a:solidFill>
-                <a:latin typeface="Times New Roman" panose="02020603050405020304" pitchFamily="18" charset="0"/>
-                <a:cs typeface="Times New Roman" panose="02020603050405020304" pitchFamily="18" charset="0"/>
-              </a:rPr>
-              <a:t>3</a:t>
-            </a:r>
-            <a:r>
-              <a:rPr lang="en-US" sz="2561" dirty="0" smtClean="0">
-                <a:solidFill>
-                  <a:schemeClr val="accent6"/>
-                </a:solidFill>
-                <a:latin typeface="Times New Roman" panose="02020603050405020304" pitchFamily="18" charset="0"/>
-                <a:cs typeface="Times New Roman" panose="02020603050405020304" pitchFamily="18" charset="0"/>
-              </a:rPr>
-              <a:t> </a:t>
-            </a:r>
-            <a:r>
-              <a:rPr lang="en-US" sz="2561" dirty="0">
-                <a:solidFill>
-                  <a:schemeClr val="accent6"/>
-                </a:solidFill>
-                <a:latin typeface="Times New Roman" panose="02020603050405020304" pitchFamily="18" charset="0"/>
-                <a:cs typeface="Times New Roman" panose="02020603050405020304" pitchFamily="18" charset="0"/>
-              </a:rPr>
-              <a:t>+ </a:t>
-            </a:r>
-            <a:r>
-              <a:rPr lang="en-US" sz="2561" dirty="0" smtClean="0">
-                <a:solidFill>
-                  <a:schemeClr val="accent6"/>
-                </a:solidFill>
-                <a:latin typeface="Times New Roman" panose="02020603050405020304" pitchFamily="18" charset="0"/>
-                <a:cs typeface="Times New Roman" panose="02020603050405020304" pitchFamily="18" charset="0"/>
-              </a:rPr>
-              <a:t>8.3x</a:t>
-            </a:r>
-            <a:r>
-              <a:rPr lang="en-US" sz="2561" baseline="30000" dirty="0" smtClean="0">
-                <a:solidFill>
-                  <a:schemeClr val="accent6"/>
-                </a:solidFill>
-                <a:latin typeface="Times New Roman" panose="02020603050405020304" pitchFamily="18" charset="0"/>
-                <a:cs typeface="Times New Roman" panose="02020603050405020304" pitchFamily="18" charset="0"/>
-              </a:rPr>
-              <a:t>2</a:t>
-            </a:r>
-            <a:r>
-              <a:rPr lang="en-US" sz="2561" dirty="0" smtClean="0">
-                <a:solidFill>
-                  <a:schemeClr val="accent6"/>
-                </a:solidFill>
-                <a:latin typeface="Times New Roman" panose="02020603050405020304" pitchFamily="18" charset="0"/>
-                <a:cs typeface="Times New Roman" panose="02020603050405020304" pitchFamily="18" charset="0"/>
-              </a:rPr>
-              <a:t> – 4.4x </a:t>
-            </a:r>
-            <a:r>
-              <a:rPr lang="en-US" sz="2561" dirty="0">
-                <a:solidFill>
-                  <a:schemeClr val="accent6"/>
-                </a:solidFill>
-                <a:latin typeface="Times New Roman" panose="02020603050405020304" pitchFamily="18" charset="0"/>
-                <a:cs typeface="Times New Roman" panose="02020603050405020304" pitchFamily="18" charset="0"/>
-              </a:rPr>
-              <a:t>+ </a:t>
-            </a:r>
-            <a:r>
-              <a:rPr lang="en-US" sz="2561" dirty="0" smtClean="0">
-                <a:solidFill>
-                  <a:schemeClr val="accent6"/>
-                </a:solidFill>
-                <a:latin typeface="Times New Roman" panose="02020603050405020304" pitchFamily="18" charset="0"/>
-                <a:cs typeface="Times New Roman" panose="02020603050405020304" pitchFamily="18" charset="0"/>
-              </a:rPr>
-              <a:t>1.1)</a:t>
-            </a:r>
-            <a:endParaRPr lang="en-US" sz="2561" dirty="0">
-              <a:solidFill>
-                <a:schemeClr val="accent6"/>
-              </a:solidFill>
-              <a:latin typeface="Times New Roman" panose="02020603050405020304" pitchFamily="18" charset="0"/>
-              <a:cs typeface="Times New Roman" panose="02020603050405020304" pitchFamily="18" charset="0"/>
-            </a:endParaRPr>
-          </a:p>
-        </p:txBody>
-      </p:sp>
       <p:pic>
         <p:nvPicPr>
-          <p:cNvPr id="2" name="Picture 1"/>
+          <p:cNvPr id="47" name="Picture 46"/>
           <p:cNvPicPr>
             <a:picLocks noChangeAspect="1"/>
           </p:cNvPicPr>
@@ -3941,7 +3598,7 @@
         </p:blipFill>
         <p:spPr>
           <a:xfrm>
-            <a:off x="7833121" y="654643"/>
+            <a:off x="6375296" y="95527"/>
             <a:ext cx="2700747" cy="1446531"/>
           </a:xfrm>
           <a:prstGeom prst="rect">
@@ -3962,7 +3619,7 @@
   <p:timing>
     <p:tnLst>
       <p:par>
-        <p:cTn id="1" dur="indefinite" restart="never" nodeType="tmRoot"/>
+        <p:cTn xmlns:p14="http://schemas.microsoft.com/office/powerpoint/2010/main" id="1" dur="indefinite" restart="never" nodeType="tmRoot"/>
       </p:par>
     </p:tnLst>
   </p:timing>
@@ -4012,7 +3669,7 @@
     </a:clrScheme>
     <a:fontScheme name="Office">
       <a:majorFont>
-        <a:latin typeface="Calibri Light" panose="020F0302020204030204"/>
+        <a:latin typeface="Calibri Light"/>
         <a:ea typeface=""/>
         <a:cs typeface=""/>
         <a:font script="Jpan" typeface="ＭＳ Ｐゴシック"/>
@@ -4047,7 +3704,7 @@
         <a:font script="Geor" typeface="Sylfaen"/>
       </a:majorFont>
       <a:minorFont>
-        <a:latin typeface="Calibri" panose="020F0502020204030204"/>
+        <a:latin typeface="Calibri"/>
         <a:ea typeface=""/>
         <a:cs typeface=""/>
         <a:font script="Jpan" typeface="ＭＳ Ｐゴシック"/>
@@ -4224,7 +3881,7 @@
   <a:extraClrSchemeLst/>
   <a:extLst>
     <a:ext uri="{05A4C25C-085E-4340-85A3-A5531E510DB2}">
-      <thm15:themeFamily xmlns:thm15="http://schemas.microsoft.com/office/thememl/2012/main" name="Office Theme" id="{62F939B6-93AF-4DB8-9C6B-D6C7DFDC589F}" vid="{4A3C46E8-61CC-4603-A589-7422A47A8E4A}"/>
+      <thm15:themeFamily xmlns="" xmlns:thm15="http://schemas.microsoft.com/office/thememl/2012/main" name="Office Theme" id="{62F939B6-93AF-4DB8-9C6B-D6C7DFDC589F}" vid="{4A3C46E8-61CC-4603-A589-7422A47A8E4A}"/>
     </a:ext>
   </a:extLst>
 </a:theme>
